--- a/Spring 2025 Presentation/Spring 2025.pptx
+++ b/Spring 2025 Presentation/Spring 2025.pptx
@@ -115,7 +115,7 @@
 <file path=ppt/revisionInfo.xml><?xml version="1.0" encoding="utf-8"?>
 <p1510:revInfo xmlns:a="http://schemas.openxmlformats.org/drawingml/2006/main" xmlns:r="http://schemas.openxmlformats.org/officeDocument/2006/relationships" xmlns:p1510="http://schemas.microsoft.com/office/powerpoint/2015/10/main">
   <p1510:revLst>
-    <p1510:client id="{6EE5A59C-CCBB-5CB4-ECF1-B9C1C3DC3305}" v="79" dt="2025-06-23T14:48:12.079"/>
+    <p1510:client id="{632C56FB-C9C2-27CD-1E26-9A55B2CA372E}" v="14" dt="2025-06-25T16:15:50.192"/>
   </p1510:revLst>
 </p1510:revInfo>
 </file>
@@ -154,6 +154,38 @@
       </pc:sldChg>
     </pc:docChg>
   </pc:docChgLst>
+  <pc:docChgLst>
+    <pc:chgData name="Charlie Hatch" userId="S::chatch@npitx.org::23189b92-0f8f-4e9b-8c97-6a52adbe72b1" providerId="AD" clId="Web-{632C56FB-C9C2-27CD-1E26-9A55B2CA372E}"/>
+    <pc:docChg chg="modSld">
+      <pc:chgData name="Charlie Hatch" userId="S::chatch@npitx.org::23189b92-0f8f-4e9b-8c97-6a52adbe72b1" providerId="AD" clId="Web-{632C56FB-C9C2-27CD-1E26-9A55B2CA372E}" dt="2025-06-25T16:15:46.771" v="11" actId="20577"/>
+      <pc:docMkLst>
+        <pc:docMk/>
+      </pc:docMkLst>
+      <pc:sldChg chg="modSp">
+        <pc:chgData name="Charlie Hatch" userId="S::chatch@npitx.org::23189b92-0f8f-4e9b-8c97-6a52adbe72b1" providerId="AD" clId="Web-{632C56FB-C9C2-27CD-1E26-9A55B2CA372E}" dt="2025-06-25T16:15:46.771" v="11" actId="20577"/>
+        <pc:sldMkLst>
+          <pc:docMk/>
+          <pc:sldMk cId="109857222" sldId="256"/>
+        </pc:sldMkLst>
+        <pc:spChg chg="mod">
+          <ac:chgData name="Charlie Hatch" userId="S::chatch@npitx.org::23189b92-0f8f-4e9b-8c97-6a52adbe72b1" providerId="AD" clId="Web-{632C56FB-C9C2-27CD-1E26-9A55B2CA372E}" dt="2025-06-25T16:15:41.833" v="5" actId="20577"/>
+          <ac:spMkLst>
+            <pc:docMk/>
+            <pc:sldMk cId="109857222" sldId="256"/>
+            <ac:spMk id="2" creationId="{00000000-0000-0000-0000-000000000000}"/>
+          </ac:spMkLst>
+        </pc:spChg>
+        <pc:spChg chg="mod">
+          <ac:chgData name="Charlie Hatch" userId="S::chatch@npitx.org::23189b92-0f8f-4e9b-8c97-6a52adbe72b1" providerId="AD" clId="Web-{632C56FB-C9C2-27CD-1E26-9A55B2CA372E}" dt="2025-06-25T16:15:46.771" v="11" actId="20577"/>
+          <ac:spMkLst>
+            <pc:docMk/>
+            <pc:sldMk cId="109857222" sldId="256"/>
+            <ac:spMk id="3" creationId="{00000000-0000-0000-0000-000000000000}"/>
+          </ac:spMkLst>
+        </pc:spChg>
+      </pc:sldChg>
+    </pc:docChg>
+  </pc:docChgLst>
 </pc:chgInfo>
 </file>
 
@@ -288,7 +320,7 @@
           <a:p>
             <a:fld id="{846CE7D5-CF57-46EF-B807-FDD0502418D4}" type="datetimeFigureOut">
               <a:rPr lang="en-US" smtClean="0"/>
-              <a:t>6/23/2025</a:t>
+              <a:t>6/25/2025</a:t>
             </a:fld>
             <a:endParaRPr lang="en-US"/>
           </a:p>
@@ -458,7 +490,7 @@
           <a:p>
             <a:fld id="{846CE7D5-CF57-46EF-B807-FDD0502418D4}" type="datetimeFigureOut">
               <a:rPr lang="en-US" smtClean="0"/>
-              <a:t>6/23/2025</a:t>
+              <a:t>6/25/2025</a:t>
             </a:fld>
             <a:endParaRPr lang="en-US"/>
           </a:p>
@@ -638,7 +670,7 @@
           <a:p>
             <a:fld id="{846CE7D5-CF57-46EF-B807-FDD0502418D4}" type="datetimeFigureOut">
               <a:rPr lang="en-US" smtClean="0"/>
-              <a:t>6/23/2025</a:t>
+              <a:t>6/25/2025</a:t>
             </a:fld>
             <a:endParaRPr lang="en-US"/>
           </a:p>
@@ -808,7 +840,7 @@
           <a:p>
             <a:fld id="{846CE7D5-CF57-46EF-B807-FDD0502418D4}" type="datetimeFigureOut">
               <a:rPr lang="en-US" smtClean="0"/>
-              <a:t>6/23/2025</a:t>
+              <a:t>6/25/2025</a:t>
             </a:fld>
             <a:endParaRPr lang="en-US"/>
           </a:p>
@@ -1054,7 +1086,7 @@
           <a:p>
             <a:fld id="{846CE7D5-CF57-46EF-B807-FDD0502418D4}" type="datetimeFigureOut">
               <a:rPr lang="en-US" smtClean="0"/>
-              <a:t>6/23/2025</a:t>
+              <a:t>6/25/2025</a:t>
             </a:fld>
             <a:endParaRPr lang="en-US"/>
           </a:p>
@@ -1286,7 +1318,7 @@
           <a:p>
             <a:fld id="{846CE7D5-CF57-46EF-B807-FDD0502418D4}" type="datetimeFigureOut">
               <a:rPr lang="en-US" smtClean="0"/>
-              <a:t>6/23/2025</a:t>
+              <a:t>6/25/2025</a:t>
             </a:fld>
             <a:endParaRPr lang="en-US"/>
           </a:p>
@@ -1653,7 +1685,7 @@
           <a:p>
             <a:fld id="{846CE7D5-CF57-46EF-B807-FDD0502418D4}" type="datetimeFigureOut">
               <a:rPr lang="en-US" smtClean="0"/>
-              <a:t>6/23/2025</a:t>
+              <a:t>6/25/2025</a:t>
             </a:fld>
             <a:endParaRPr lang="en-US"/>
           </a:p>
@@ -1771,7 +1803,7 @@
           <a:p>
             <a:fld id="{846CE7D5-CF57-46EF-B807-FDD0502418D4}" type="datetimeFigureOut">
               <a:rPr lang="en-US" smtClean="0"/>
-              <a:t>6/23/2025</a:t>
+              <a:t>6/25/2025</a:t>
             </a:fld>
             <a:endParaRPr lang="en-US"/>
           </a:p>
@@ -1866,7 +1898,7 @@
           <a:p>
             <a:fld id="{846CE7D5-CF57-46EF-B807-FDD0502418D4}" type="datetimeFigureOut">
               <a:rPr lang="en-US" smtClean="0"/>
-              <a:t>6/23/2025</a:t>
+              <a:t>6/25/2025</a:t>
             </a:fld>
             <a:endParaRPr lang="en-US"/>
           </a:p>
@@ -2143,7 +2175,7 @@
           <a:p>
             <a:fld id="{846CE7D5-CF57-46EF-B807-FDD0502418D4}" type="datetimeFigureOut">
               <a:rPr lang="en-US" smtClean="0"/>
-              <a:t>6/23/2025</a:t>
+              <a:t>6/25/2025</a:t>
             </a:fld>
             <a:endParaRPr lang="en-US"/>
           </a:p>
@@ -2400,7 +2432,7 @@
           <a:p>
             <a:fld id="{846CE7D5-CF57-46EF-B807-FDD0502418D4}" type="datetimeFigureOut">
               <a:rPr lang="en-US" smtClean="0"/>
-              <a:t>6/23/2025</a:t>
+              <a:t>6/25/2025</a:t>
             </a:fld>
             <a:endParaRPr lang="en-US"/>
           </a:p>
@@ -2613,7 +2645,7 @@
           <a:p>
             <a:fld id="{846CE7D5-CF57-46EF-B807-FDD0502418D4}" type="datetimeFigureOut">
               <a:rPr lang="en-US" smtClean="0"/>
-              <a:t>6/23/2025</a:t>
+              <a:t>6/25/2025</a:t>
             </a:fld>
             <a:endParaRPr lang="en-US"/>
           </a:p>
@@ -3035,14 +3067,7 @@
           <a:p>
             <a:r>
               <a:rPr lang="en-US" dirty="0"/>
-              <a:t>Presentation for spring</a:t>
-            </a:r>
-            <a:br>
-              <a:rPr lang="en-US" dirty="0"/>
-            </a:br>
-            <a:r>
-              <a:rPr lang="en-US" dirty="0"/>
-              <a:t>of the year 2025</a:t>
+              <a:t>Spring Term 2025</a:t>
             </a:r>
           </a:p>
         </p:txBody>
@@ -3065,8 +3090,8 @@
           <a:lstStyle/>
           <a:p>
             <a:r>
-              <a:rPr lang="en-US"/>
-              <a:t>Brought to you by: Charlie Hatch</a:t>
+              <a:rPr lang="en-US" dirty="0"/>
+              <a:t>By Charlie Hatch</a:t>
             </a:r>
           </a:p>
         </p:txBody>

--- a/Spring 2025 Presentation/Spring 2025.pptx
+++ b/Spring 2025 Presentation/Spring 2025.pptx
@@ -6,6 +6,7 @@
   </p:sldMasterIdLst>
   <p:sldIdLst>
     <p:sldId id="256" r:id="rId2"/>
+    <p:sldId id="257" r:id="rId3"/>
   </p:sldIdLst>
   <p:sldSz cx="12192000" cy="6858000"/>
   <p:notesSz cx="6858000" cy="9144000"/>
@@ -115,78 +116,9 @@
 <file path=ppt/revisionInfo.xml><?xml version="1.0" encoding="utf-8"?>
 <p1510:revInfo xmlns:a="http://schemas.openxmlformats.org/drawingml/2006/main" xmlns:r="http://schemas.openxmlformats.org/officeDocument/2006/relationships" xmlns:p1510="http://schemas.microsoft.com/office/powerpoint/2015/10/main">
   <p1510:revLst>
-    <p1510:client id="{632C56FB-C9C2-27CD-1E26-9A55B2CA372E}" v="14" dt="2025-06-25T16:15:50.192"/>
+    <p1510:client id="{632C56FB-C9C2-27CD-1E26-9A55B2CA372E}" v="90" dt="2025-06-25T16:20:46.756"/>
   </p1510:revLst>
 </p1510:revInfo>
-</file>
-
-<file path=ppt/changesInfos/changesInfo1.xml><?xml version="1.0" encoding="utf-8"?>
-<pc:chgInfo xmlns:a="http://schemas.openxmlformats.org/drawingml/2006/main" xmlns:r="http://schemas.openxmlformats.org/officeDocument/2006/relationships" xmlns:ac="http://schemas.microsoft.com/office/drawing/2013/main/command" xmlns:pc="http://schemas.microsoft.com/office/powerpoint/2013/main/command">
-  <pc:docChgLst>
-    <pc:chgData name="Charlie Hatch" userId="S::chatch@npitx.org::23189b92-0f8f-4e9b-8c97-6a52adbe72b1" providerId="AD" clId="Web-{6EE5A59C-CCBB-5CB4-ECF1-B9C1C3DC3305}"/>
-    <pc:docChg chg="modSld">
-      <pc:chgData name="Charlie Hatch" userId="S::chatch@npitx.org::23189b92-0f8f-4e9b-8c97-6a52adbe72b1" providerId="AD" clId="Web-{6EE5A59C-CCBB-5CB4-ECF1-B9C1C3DC3305}" dt="2025-06-23T14:48:12.079" v="76" actId="20577"/>
-      <pc:docMkLst>
-        <pc:docMk/>
-      </pc:docMkLst>
-      <pc:sldChg chg="modSp">
-        <pc:chgData name="Charlie Hatch" userId="S::chatch@npitx.org::23189b92-0f8f-4e9b-8c97-6a52adbe72b1" providerId="AD" clId="Web-{6EE5A59C-CCBB-5CB4-ECF1-B9C1C3DC3305}" dt="2025-06-23T14:48:12.079" v="76" actId="20577"/>
-        <pc:sldMkLst>
-          <pc:docMk/>
-          <pc:sldMk cId="109857222" sldId="256"/>
-        </pc:sldMkLst>
-        <pc:spChg chg="mod">
-          <ac:chgData name="Charlie Hatch" userId="S::chatch@npitx.org::23189b92-0f8f-4e9b-8c97-6a52adbe72b1" providerId="AD" clId="Web-{6EE5A59C-CCBB-5CB4-ECF1-B9C1C3DC3305}" dt="2025-06-23T14:47:55.486" v="67" actId="20577"/>
-          <ac:spMkLst>
-            <pc:docMk/>
-            <pc:sldMk cId="109857222" sldId="256"/>
-            <ac:spMk id="2" creationId="{00000000-0000-0000-0000-000000000000}"/>
-          </ac:spMkLst>
-        </pc:spChg>
-        <pc:spChg chg="mod">
-          <ac:chgData name="Charlie Hatch" userId="S::chatch@npitx.org::23189b92-0f8f-4e9b-8c97-6a52adbe72b1" providerId="AD" clId="Web-{6EE5A59C-CCBB-5CB4-ECF1-B9C1C3DC3305}" dt="2025-06-23T14:48:12.079" v="76" actId="20577"/>
-          <ac:spMkLst>
-            <pc:docMk/>
-            <pc:sldMk cId="109857222" sldId="256"/>
-            <ac:spMk id="3" creationId="{00000000-0000-0000-0000-000000000000}"/>
-          </ac:spMkLst>
-        </pc:spChg>
-      </pc:sldChg>
-    </pc:docChg>
-  </pc:docChgLst>
-  <pc:docChgLst>
-    <pc:chgData name="Charlie Hatch" userId="S::chatch@npitx.org::23189b92-0f8f-4e9b-8c97-6a52adbe72b1" providerId="AD" clId="Web-{632C56FB-C9C2-27CD-1E26-9A55B2CA372E}"/>
-    <pc:docChg chg="modSld">
-      <pc:chgData name="Charlie Hatch" userId="S::chatch@npitx.org::23189b92-0f8f-4e9b-8c97-6a52adbe72b1" providerId="AD" clId="Web-{632C56FB-C9C2-27CD-1E26-9A55B2CA372E}" dt="2025-06-25T16:15:46.771" v="11" actId="20577"/>
-      <pc:docMkLst>
-        <pc:docMk/>
-      </pc:docMkLst>
-      <pc:sldChg chg="modSp">
-        <pc:chgData name="Charlie Hatch" userId="S::chatch@npitx.org::23189b92-0f8f-4e9b-8c97-6a52adbe72b1" providerId="AD" clId="Web-{632C56FB-C9C2-27CD-1E26-9A55B2CA372E}" dt="2025-06-25T16:15:46.771" v="11" actId="20577"/>
-        <pc:sldMkLst>
-          <pc:docMk/>
-          <pc:sldMk cId="109857222" sldId="256"/>
-        </pc:sldMkLst>
-        <pc:spChg chg="mod">
-          <ac:chgData name="Charlie Hatch" userId="S::chatch@npitx.org::23189b92-0f8f-4e9b-8c97-6a52adbe72b1" providerId="AD" clId="Web-{632C56FB-C9C2-27CD-1E26-9A55B2CA372E}" dt="2025-06-25T16:15:41.833" v="5" actId="20577"/>
-          <ac:spMkLst>
-            <pc:docMk/>
-            <pc:sldMk cId="109857222" sldId="256"/>
-            <ac:spMk id="2" creationId="{00000000-0000-0000-0000-000000000000}"/>
-          </ac:spMkLst>
-        </pc:spChg>
-        <pc:spChg chg="mod">
-          <ac:chgData name="Charlie Hatch" userId="S::chatch@npitx.org::23189b92-0f8f-4e9b-8c97-6a52adbe72b1" providerId="AD" clId="Web-{632C56FB-C9C2-27CD-1E26-9A55B2CA372E}" dt="2025-06-25T16:15:46.771" v="11" actId="20577"/>
-          <ac:spMkLst>
-            <pc:docMk/>
-            <pc:sldMk cId="109857222" sldId="256"/>
-            <ac:spMk id="3" creationId="{00000000-0000-0000-0000-000000000000}"/>
-          </ac:spMkLst>
-        </pc:spChg>
-      </pc:sldChg>
-    </pc:docChg>
-  </pc:docChgLst>
-</pc:chgInfo>
 </file>
 
 <file path=ppt/slideLayouts/slideLayout1.xml><?xml version="1.0" encoding="utf-8"?>
@@ -3109,6 +3041,118 @@
 </p:sld>
 </file>
 
+<file path=ppt/slides/slide2.xml><?xml version="1.0" encoding="utf-8"?>
+<p:sld xmlns:a="http://schemas.openxmlformats.org/drawingml/2006/main" xmlns:r="http://schemas.openxmlformats.org/officeDocument/2006/relationships" xmlns:p="http://schemas.openxmlformats.org/presentationml/2006/main">
+  <p:cSld>
+    <p:spTree>
+      <p:nvGrpSpPr>
+        <p:cNvPr id="1" name=""/>
+        <p:cNvGrpSpPr/>
+        <p:nvPr/>
+      </p:nvGrpSpPr>
+      <p:grpSpPr>
+        <a:xfrm>
+          <a:off x="0" y="0"/>
+          <a:ext cx="0" cy="0"/>
+          <a:chOff x="0" y="0"/>
+          <a:chExt cx="0" cy="0"/>
+        </a:xfrm>
+      </p:grpSpPr>
+      <p:sp>
+        <p:nvSpPr>
+          <p:cNvPr id="2" name="Title 1">
+            <a:extLst>
+              <a:ext uri="{FF2B5EF4-FFF2-40B4-BE49-F238E27FC236}">
+                <a16:creationId xmlns:a16="http://schemas.microsoft.com/office/drawing/2014/main" id="{06D6AB15-30CE-F14A-99C8-7C2206384D83}"/>
+              </a:ext>
+            </a:extLst>
+          </p:cNvPr>
+          <p:cNvSpPr>
+            <a:spLocks noGrp="1"/>
+          </p:cNvSpPr>
+          <p:nvPr>
+            <p:ph type="title"/>
+          </p:nvPr>
+        </p:nvSpPr>
+        <p:spPr/>
+        <p:txBody>
+          <a:bodyPr/>
+          <a:lstStyle/>
+          <a:p>
+            <a:r>
+              <a:rPr lang="en-US" dirty="0"/>
+              <a:t>Design 4 All  </a:t>
+            </a:r>
+          </a:p>
+        </p:txBody>
+      </p:sp>
+      <p:sp>
+        <p:nvSpPr>
+          <p:cNvPr id="3" name="Content Placeholder 2">
+            <a:extLst>
+              <a:ext uri="{FF2B5EF4-FFF2-40B4-BE49-F238E27FC236}">
+                <a16:creationId xmlns:a16="http://schemas.microsoft.com/office/drawing/2014/main" id="{7E8FA467-B75B-39EA-41A4-E36AD36FB2B6}"/>
+              </a:ext>
+            </a:extLst>
+          </p:cNvPr>
+          <p:cNvSpPr>
+            <a:spLocks noGrp="1"/>
+          </p:cNvSpPr>
+          <p:nvPr>
+            <p:ph idx="1"/>
+          </p:nvPr>
+        </p:nvSpPr>
+        <p:spPr/>
+        <p:txBody>
+          <a:bodyPr vert="horz" lIns="91440" tIns="45720" rIns="91440" bIns="45720" rtlCol="0" anchor="t">
+            <a:normAutofit/>
+          </a:bodyPr>
+          <a:lstStyle/>
+          <a:p>
+            <a:r>
+              <a:rPr lang="en-US" dirty="0"/>
+              <a:t>Learned how to use the program studio</a:t>
+            </a:r>
+          </a:p>
+          <a:p>
+            <a:r>
+              <a:rPr lang="en-US" dirty="0"/>
+              <a:t>Made an interesting thing.</a:t>
+            </a:r>
+          </a:p>
+          <a:p>
+            <a:pPr lvl="1">
+              <a:buFont typeface="Courier New" panose="020B0604020202020204" pitchFamily="34" charset="0"/>
+              <a:buChar char="o"/>
+            </a:pPr>
+            <a:r>
+              <a:rPr lang="en-US" dirty="0"/>
+              <a:t>Alas, the screenshots </a:t>
+            </a:r>
+            <a:r>
+              <a:rPr lang="en-US" dirty="0" err="1"/>
+              <a:t>didin't</a:t>
+            </a:r>
+            <a:r>
+              <a:rPr lang="en-US" dirty="0"/>
+              <a:t> stay, so I'm afraid no visual aid</a:t>
+            </a:r>
+          </a:p>
+        </p:txBody>
+      </p:sp>
+    </p:spTree>
+    <p:extLst>
+      <p:ext uri="{BB962C8B-B14F-4D97-AF65-F5344CB8AC3E}">
+        <p14:creationId xmlns:p14="http://schemas.microsoft.com/office/powerpoint/2010/main" val="3152715348"/>
+      </p:ext>
+    </p:extLst>
+  </p:cSld>
+  <p:clrMapOvr>
+    <a:masterClrMapping/>
+  </p:clrMapOvr>
+</p:sld>
+</file>
+
 <file path=ppt/theme/theme1.xml><?xml version="1.0" encoding="utf-8"?>
 <a:theme xmlns:a="http://schemas.openxmlformats.org/drawingml/2006/main" name="office theme">
   <a:themeElements>

--- a/Spring 2025 Presentation/Spring 2025.pptx
+++ b/Spring 2025 Presentation/Spring 2025.pptx
@@ -7,6 +7,7 @@
   <p:sldIdLst>
     <p:sldId id="256" r:id="rId2"/>
     <p:sldId id="257" r:id="rId3"/>
+    <p:sldId id="258" r:id="rId4"/>
   </p:sldIdLst>
   <p:sldSz cx="12192000" cy="6858000"/>
   <p:notesSz cx="6858000" cy="9144000"/>
@@ -116,7 +117,7 @@
 <file path=ppt/revisionInfo.xml><?xml version="1.0" encoding="utf-8"?>
 <p1510:revInfo xmlns:a="http://schemas.openxmlformats.org/drawingml/2006/main" xmlns:r="http://schemas.openxmlformats.org/officeDocument/2006/relationships" xmlns:p1510="http://schemas.microsoft.com/office/powerpoint/2015/10/main">
   <p1510:revLst>
-    <p1510:client id="{632C56FB-C9C2-27CD-1E26-9A55B2CA372E}" v="90" dt="2025-06-25T16:20:46.756"/>
+    <p1510:client id="{632C56FB-C9C2-27CD-1E26-9A55B2CA372E}" v="184" dt="2025-06-25T16:26:49.522"/>
   </p1510:revLst>
 </p1510:revInfo>
 </file>
@@ -2998,8 +2999,8 @@
           <a:lstStyle/>
           <a:p>
             <a:r>
-              <a:rPr lang="en-US" dirty="0"/>
-              <a:t>Spring Term 2025</a:t>
+              <a:rPr lang="en-US"/>
+              <a:t>Spring 2025 Presentation</a:t>
             </a:r>
           </a:p>
         </p:txBody>
@@ -3025,6 +3026,45 @@
               <a:rPr lang="en-US" dirty="0"/>
               <a:t>By Charlie Hatch</a:t>
             </a:r>
+          </a:p>
+        </p:txBody>
+      </p:sp>
+      <p:sp>
+        <p:nvSpPr>
+          <p:cNvPr id="4" name="TextBox 3">
+            <a:extLst>
+              <a:ext uri="{FF2B5EF4-FFF2-40B4-BE49-F238E27FC236}">
+                <a16:creationId xmlns:a16="http://schemas.microsoft.com/office/drawing/2014/main" id="{812A497B-ECEB-77AD-82AC-74FC148DE355}"/>
+              </a:ext>
+            </a:extLst>
+          </p:cNvPr>
+          <p:cNvSpPr txBox="1"/>
+          <p:nvPr/>
+        </p:nvSpPr>
+        <p:spPr>
+          <a:xfrm>
+            <a:off x="4438109" y="3333003"/>
+            <a:ext cx="4426857" cy="276999"/>
+          </a:xfrm>
+          <a:prstGeom prst="rect">
+            <a:avLst/>
+          </a:prstGeom>
+          <a:noFill/>
+        </p:spPr>
+        <p:txBody>
+          <a:bodyPr rot="0" spcFirstLastPara="0" vertOverflow="overflow" horzOverflow="overflow" vert="horz" wrap="square" lIns="91440" tIns="45720" rIns="91440" bIns="45720" numCol="1" spcCol="0" rtlCol="0" fromWordArt="0" anchor="t" anchorCtr="0" forceAA="0" compatLnSpc="1">
+            <a:prstTxWarp prst="textNoShape">
+              <a:avLst/>
+            </a:prstTxWarp>
+            <a:spAutoFit/>
+          </a:bodyPr>
+          <a:lstStyle/>
+          <a:p>
+            <a:r>
+              <a:rPr lang="en-US" sz="1200"/>
+              <a:t>The Record-Breaker: 45 minutes to make</a:t>
+            </a:r>
+            <a:endParaRPr lang="en-US" sz="1200" dirty="0"/>
           </a:p>
         </p:txBody>
       </p:sp>
@@ -3038,6 +3078,190 @@
   <p:clrMapOvr>
     <a:masterClrMapping/>
   </p:clrMapOvr>
+  <p:timing>
+    <p:tnLst>
+      <p:par>
+        <p:cTn id="1" dur="indefinite" restart="never" nodeType="tmRoot">
+          <p:childTnLst>
+            <p:seq concurrent="1" nextAc="seek">
+              <p:cTn id="2" dur="indefinite" nodeType="mainSeq">
+                <p:childTnLst>
+                  <p:par>
+                    <p:cTn id="3" fill="hold">
+                      <p:stCondLst>
+                        <p:cond delay="indefinite"/>
+                      </p:stCondLst>
+                      <p:childTnLst>
+                        <p:par>
+                          <p:cTn id="4" fill="hold">
+                            <p:stCondLst>
+                              <p:cond delay="0"/>
+                            </p:stCondLst>
+                            <p:childTnLst>
+                              <p:par>
+                                <p:cTn id="5" presetID="1" presetClass="entr" presetSubtype="0" fill="hold" grpId="0" nodeType="clickEffect">
+                                  <p:stCondLst>
+                                    <p:cond delay="0"/>
+                                  </p:stCondLst>
+                                  <p:childTnLst>
+                                    <p:set>
+                                      <p:cBhvr>
+                                        <p:cTn id="6" dur="1" fill="hold">
+                                          <p:stCondLst>
+                                            <p:cond delay="0"/>
+                                          </p:stCondLst>
+                                        </p:cTn>
+                                        <p:tgtEl>
+                                          <p:spTgt spid="2"/>
+                                        </p:tgtEl>
+                                        <p:attrNameLst>
+                                          <p:attrName>style.visibility</p:attrName>
+                                        </p:attrNameLst>
+                                      </p:cBhvr>
+                                      <p:to>
+                                        <p:strVal val="visible"/>
+                                      </p:to>
+                                    </p:set>
+                                  </p:childTnLst>
+                                </p:cTn>
+                              </p:par>
+                              <p:par>
+                                <p:cTn id="7" presetID="1" presetClass="entr" presetSubtype="0" fill="hold" grpId="0" nodeType="withEffect">
+                                  <p:stCondLst>
+                                    <p:cond delay="0"/>
+                                  </p:stCondLst>
+                                  <p:childTnLst>
+                                    <p:set>
+                                      <p:cBhvr>
+                                        <p:cTn id="8" dur="1" fill="hold">
+                                          <p:stCondLst>
+                                            <p:cond delay="0"/>
+                                          </p:stCondLst>
+                                        </p:cTn>
+                                        <p:tgtEl>
+                                          <p:spTgt spid="3">
+                                            <p:txEl>
+                                              <p:pRg st="0" end="0"/>
+                                            </p:txEl>
+                                          </p:spTgt>
+                                        </p:tgtEl>
+                                        <p:attrNameLst>
+                                          <p:attrName>style.visibility</p:attrName>
+                                        </p:attrNameLst>
+                                      </p:cBhvr>
+                                      <p:to>
+                                        <p:strVal val="visible"/>
+                                      </p:to>
+                                    </p:set>
+                                  </p:childTnLst>
+                                </p:cTn>
+                              </p:par>
+                            </p:childTnLst>
+                          </p:cTn>
+                        </p:par>
+                      </p:childTnLst>
+                    </p:cTn>
+                  </p:par>
+                  <p:par>
+                    <p:cTn id="9" fill="hold">
+                      <p:stCondLst>
+                        <p:cond delay="indefinite"/>
+                      </p:stCondLst>
+                      <p:childTnLst>
+                        <p:par>
+                          <p:cTn id="10" fill="hold">
+                            <p:stCondLst>
+                              <p:cond delay="0"/>
+                            </p:stCondLst>
+                            <p:childTnLst>
+                              <p:par>
+                                <p:cTn id="11" presetID="1" presetClass="entr" presetSubtype="0" fill="hold" grpId="0" nodeType="clickEffect">
+                                  <p:stCondLst>
+                                    <p:cond delay="0"/>
+                                  </p:stCondLst>
+                                  <p:childTnLst>
+                                    <p:set>
+                                      <p:cBhvr>
+                                        <p:cTn id="12" dur="1" fill="hold">
+                                          <p:stCondLst>
+                                            <p:cond delay="0"/>
+                                          </p:stCondLst>
+                                        </p:cTn>
+                                        <p:tgtEl>
+                                          <p:spTgt spid="4"/>
+                                        </p:tgtEl>
+                                        <p:attrNameLst>
+                                          <p:attrName>style.visibility</p:attrName>
+                                        </p:attrNameLst>
+                                      </p:cBhvr>
+                                      <p:to>
+                                        <p:strVal val="visible"/>
+                                      </p:to>
+                                    </p:set>
+                                  </p:childTnLst>
+                                </p:cTn>
+                              </p:par>
+                              <p:par>
+                                <p:cTn id="13" presetID="1" presetClass="exit" presetSubtype="0" fill="hold" grpId="1" nodeType="withEffect">
+                                  <p:stCondLst>
+                                    <p:cond delay="0"/>
+                                  </p:stCondLst>
+                                  <p:childTnLst>
+                                    <p:set>
+                                      <p:cBhvr>
+                                        <p:cTn id="14" dur="1" fill="hold">
+                                          <p:stCondLst>
+                                            <p:cond delay="0"/>
+                                          </p:stCondLst>
+                                        </p:cTn>
+                                        <p:tgtEl>
+                                          <p:spTgt spid="2"/>
+                                        </p:tgtEl>
+                                        <p:attrNameLst>
+                                          <p:attrName>style.visibility</p:attrName>
+                                        </p:attrNameLst>
+                                      </p:cBhvr>
+                                      <p:to>
+                                        <p:strVal val="hidden"/>
+                                      </p:to>
+                                    </p:set>
+                                  </p:childTnLst>
+                                </p:cTn>
+                              </p:par>
+                            </p:childTnLst>
+                          </p:cTn>
+                        </p:par>
+                      </p:childTnLst>
+                    </p:cTn>
+                  </p:par>
+                </p:childTnLst>
+              </p:cTn>
+              <p:prevCondLst>
+                <p:cond evt="onPrev" delay="0">
+                  <p:tgtEl>
+                    <p:sldTgt/>
+                  </p:tgtEl>
+                </p:cond>
+              </p:prevCondLst>
+              <p:nextCondLst>
+                <p:cond evt="onNext" delay="0">
+                  <p:tgtEl>
+                    <p:sldTgt/>
+                  </p:tgtEl>
+                </p:cond>
+              </p:nextCondLst>
+            </p:seq>
+          </p:childTnLst>
+        </p:cTn>
+      </p:par>
+    </p:tnLst>
+    <p:bldLst>
+      <p:bldP spid="2" grpId="0"/>
+      <p:bldP spid="2" grpId="1"/>
+      <p:bldP spid="3" grpId="0" build="p"/>
+      <p:bldP spid="4" grpId="0"/>
+    </p:bldLst>
+  </p:timing>
 </p:sld>
 </file>
 
@@ -3144,6 +3368,89 @@
     <p:extLst>
       <p:ext uri="{BB962C8B-B14F-4D97-AF65-F5344CB8AC3E}">
         <p14:creationId xmlns:p14="http://schemas.microsoft.com/office/powerpoint/2010/main" val="3152715348"/>
+      </p:ext>
+    </p:extLst>
+  </p:cSld>
+  <p:clrMapOvr>
+    <a:masterClrMapping/>
+  </p:clrMapOvr>
+</p:sld>
+</file>
+
+<file path=ppt/slides/slide3.xml><?xml version="1.0" encoding="utf-8"?>
+<p:sld xmlns:a="http://schemas.openxmlformats.org/drawingml/2006/main" xmlns:r="http://schemas.openxmlformats.org/officeDocument/2006/relationships" xmlns:p="http://schemas.openxmlformats.org/presentationml/2006/main">
+  <p:cSld>
+    <p:spTree>
+      <p:nvGrpSpPr>
+        <p:cNvPr id="1" name=""/>
+        <p:cNvGrpSpPr/>
+        <p:nvPr/>
+      </p:nvGrpSpPr>
+      <p:grpSpPr>
+        <a:xfrm>
+          <a:off x="0" y="0"/>
+          <a:ext cx="0" cy="0"/>
+          <a:chOff x="0" y="0"/>
+          <a:chExt cx="0" cy="0"/>
+        </a:xfrm>
+      </p:grpSpPr>
+      <p:sp>
+        <p:nvSpPr>
+          <p:cNvPr id="2" name="Title 1">
+            <a:extLst>
+              <a:ext uri="{FF2B5EF4-FFF2-40B4-BE49-F238E27FC236}">
+                <a16:creationId xmlns:a16="http://schemas.microsoft.com/office/drawing/2014/main" id="{1F8F863B-142C-7628-E22D-A182F09DAF22}"/>
+              </a:ext>
+            </a:extLst>
+          </p:cNvPr>
+          <p:cNvSpPr>
+            <a:spLocks noGrp="1"/>
+          </p:cNvSpPr>
+          <p:nvPr>
+            <p:ph type="title"/>
+          </p:nvPr>
+        </p:nvSpPr>
+        <p:spPr/>
+        <p:txBody>
+          <a:bodyPr/>
+          <a:lstStyle/>
+          <a:p>
+            <a:r>
+              <a:rPr lang="en-US" dirty="0"/>
+              <a:t>Core- Communications</a:t>
+            </a:r>
+          </a:p>
+        </p:txBody>
+      </p:sp>
+      <p:sp>
+        <p:nvSpPr>
+          <p:cNvPr id="3" name="Content Placeholder 2">
+            <a:extLst>
+              <a:ext uri="{FF2B5EF4-FFF2-40B4-BE49-F238E27FC236}">
+                <a16:creationId xmlns:a16="http://schemas.microsoft.com/office/drawing/2014/main" id="{CEB97E69-BAEE-F25D-0D34-38136D6BA6E7}"/>
+              </a:ext>
+            </a:extLst>
+          </p:cNvPr>
+          <p:cNvSpPr>
+            <a:spLocks noGrp="1"/>
+          </p:cNvSpPr>
+          <p:nvPr>
+            <p:ph idx="1"/>
+          </p:nvPr>
+        </p:nvSpPr>
+        <p:spPr/>
+        <p:txBody>
+          <a:bodyPr/>
+          <a:lstStyle/>
+          <a:p>
+            <a:endParaRPr lang="en-US"/>
+          </a:p>
+        </p:txBody>
+      </p:sp>
+    </p:spTree>
+    <p:extLst>
+      <p:ext uri="{BB962C8B-B14F-4D97-AF65-F5344CB8AC3E}">
+        <p14:creationId xmlns:p14="http://schemas.microsoft.com/office/powerpoint/2010/main" val="1083871575"/>
       </p:ext>
     </p:extLst>
   </p:cSld>

--- a/Spring 2025 Presentation/Spring 2025.pptx
+++ b/Spring 2025 Presentation/Spring 2025.pptx
@@ -117,9 +117,132 @@
 <file path=ppt/revisionInfo.xml><?xml version="1.0" encoding="utf-8"?>
 <p1510:revInfo xmlns:a="http://schemas.openxmlformats.org/drawingml/2006/main" xmlns:r="http://schemas.openxmlformats.org/officeDocument/2006/relationships" xmlns:p1510="http://schemas.microsoft.com/office/powerpoint/2015/10/main">
   <p1510:revLst>
-    <p1510:client id="{632C56FB-C9C2-27CD-1E26-9A55B2CA372E}" v="184" dt="2025-06-25T16:26:49.522"/>
+    <p1510:client id="{632C56FB-C9C2-27CD-1E26-9A55B2CA372E}" v="310" dt="2025-06-25T16:32:07.461"/>
   </p1510:revLst>
 </p1510:revInfo>
+</file>
+
+<file path=ppt/changesInfos/changesInfo1.xml><?xml version="1.0" encoding="utf-8"?>
+<pc:chgInfo xmlns:a="http://schemas.openxmlformats.org/drawingml/2006/main" xmlns:r="http://schemas.openxmlformats.org/officeDocument/2006/relationships" xmlns:ac="http://schemas.microsoft.com/office/drawing/2013/main/command" xmlns:pc="http://schemas.microsoft.com/office/powerpoint/2013/main/command">
+  <pc:docChgLst>
+    <pc:chgData name="Charlie Hatch" userId="S::chatch@npitx.org::23189b92-0f8f-4e9b-8c97-6a52adbe72b1" providerId="AD" clId="Web-{6EE5A59C-CCBB-5CB4-ECF1-B9C1C3DC3305}"/>
+    <pc:docChg chg="modSld">
+      <pc:chgData name="Charlie Hatch" userId="S::chatch@npitx.org::23189b92-0f8f-4e9b-8c97-6a52adbe72b1" providerId="AD" clId="Web-{6EE5A59C-CCBB-5CB4-ECF1-B9C1C3DC3305}" dt="2025-06-23T14:48:12.079" v="76" actId="20577"/>
+      <pc:docMkLst>
+        <pc:docMk/>
+      </pc:docMkLst>
+      <pc:sldChg chg="modSp">
+        <pc:chgData name="Charlie Hatch" userId="S::chatch@npitx.org::23189b92-0f8f-4e9b-8c97-6a52adbe72b1" providerId="AD" clId="Web-{6EE5A59C-CCBB-5CB4-ECF1-B9C1C3DC3305}" dt="2025-06-23T14:48:12.079" v="76" actId="20577"/>
+        <pc:sldMkLst>
+          <pc:docMk/>
+          <pc:sldMk cId="109857222" sldId="256"/>
+        </pc:sldMkLst>
+        <pc:spChg chg="mod">
+          <ac:chgData name="Charlie Hatch" userId="S::chatch@npitx.org::23189b92-0f8f-4e9b-8c97-6a52adbe72b1" providerId="AD" clId="Web-{6EE5A59C-CCBB-5CB4-ECF1-B9C1C3DC3305}" dt="2025-06-23T14:47:55.486" v="67" actId="20577"/>
+          <ac:spMkLst>
+            <pc:docMk/>
+            <pc:sldMk cId="109857222" sldId="256"/>
+            <ac:spMk id="2" creationId="{00000000-0000-0000-0000-000000000000}"/>
+          </ac:spMkLst>
+        </pc:spChg>
+        <pc:spChg chg="mod">
+          <ac:chgData name="Charlie Hatch" userId="S::chatch@npitx.org::23189b92-0f8f-4e9b-8c97-6a52adbe72b1" providerId="AD" clId="Web-{6EE5A59C-CCBB-5CB4-ECF1-B9C1C3DC3305}" dt="2025-06-23T14:48:12.079" v="76" actId="20577"/>
+          <ac:spMkLst>
+            <pc:docMk/>
+            <pc:sldMk cId="109857222" sldId="256"/>
+            <ac:spMk id="3" creationId="{00000000-0000-0000-0000-000000000000}"/>
+          </ac:spMkLst>
+        </pc:spChg>
+      </pc:sldChg>
+    </pc:docChg>
+  </pc:docChgLst>
+  <pc:docChgLst>
+    <pc:chgData name="Charlie Hatch" userId="S::chatch@npitx.org::23189b92-0f8f-4e9b-8c97-6a52adbe72b1" providerId="AD" clId="Web-{632C56FB-C9C2-27CD-1E26-9A55B2CA372E}"/>
+    <pc:docChg chg="addSld modSld">
+      <pc:chgData name="Charlie Hatch" userId="S::chatch@npitx.org::23189b92-0f8f-4e9b-8c97-6a52adbe72b1" providerId="AD" clId="Web-{632C56FB-C9C2-27CD-1E26-9A55B2CA372E}" dt="2025-06-25T16:32:07.461" v="287" actId="20577"/>
+      <pc:docMkLst>
+        <pc:docMk/>
+      </pc:docMkLst>
+      <pc:sldChg chg="addSp modSp addAnim delAnim modAnim">
+        <pc:chgData name="Charlie Hatch" userId="S::chatch@npitx.org::23189b92-0f8f-4e9b-8c97-6a52adbe72b1" providerId="AD" clId="Web-{632C56FB-C9C2-27CD-1E26-9A55B2CA372E}" dt="2025-06-25T16:26:49.522" v="161"/>
+        <pc:sldMkLst>
+          <pc:docMk/>
+          <pc:sldMk cId="109857222" sldId="256"/>
+        </pc:sldMkLst>
+        <pc:spChg chg="mod">
+          <ac:chgData name="Charlie Hatch" userId="S::chatch@npitx.org::23189b92-0f8f-4e9b-8c97-6a52adbe72b1" providerId="AD" clId="Web-{632C56FB-C9C2-27CD-1E26-9A55B2CA372E}" dt="2025-06-25T16:24:15.194" v="129" actId="20577"/>
+          <ac:spMkLst>
+            <pc:docMk/>
+            <pc:sldMk cId="109857222" sldId="256"/>
+            <ac:spMk id="2" creationId="{00000000-0000-0000-0000-000000000000}"/>
+          </ac:spMkLst>
+        </pc:spChg>
+        <pc:spChg chg="mod">
+          <ac:chgData name="Charlie Hatch" userId="S::chatch@npitx.org::23189b92-0f8f-4e9b-8c97-6a52adbe72b1" providerId="AD" clId="Web-{632C56FB-C9C2-27CD-1E26-9A55B2CA372E}" dt="2025-06-25T16:24:07.616" v="123" actId="20577"/>
+          <ac:spMkLst>
+            <pc:docMk/>
+            <pc:sldMk cId="109857222" sldId="256"/>
+            <ac:spMk id="3" creationId="{00000000-0000-0000-0000-000000000000}"/>
+          </ac:spMkLst>
+        </pc:spChg>
+        <pc:spChg chg="add mod">
+          <ac:chgData name="Charlie Hatch" userId="S::chatch@npitx.org::23189b92-0f8f-4e9b-8c97-6a52adbe72b1" providerId="AD" clId="Web-{632C56FB-C9C2-27CD-1E26-9A55B2CA372E}" dt="2025-06-25T16:26:11.835" v="156" actId="1076"/>
+          <ac:spMkLst>
+            <pc:docMk/>
+            <pc:sldMk cId="109857222" sldId="256"/>
+            <ac:spMk id="4" creationId="{812A497B-ECEB-77AD-82AC-74FC148DE355}"/>
+          </ac:spMkLst>
+        </pc:spChg>
+      </pc:sldChg>
+      <pc:sldChg chg="modSp new">
+        <pc:chgData name="Charlie Hatch" userId="S::chatch@npitx.org::23189b92-0f8f-4e9b-8c97-6a52adbe72b1" providerId="AD" clId="Web-{632C56FB-C9C2-27CD-1E26-9A55B2CA372E}" dt="2025-06-25T16:32:07.461" v="287" actId="20577"/>
+        <pc:sldMkLst>
+          <pc:docMk/>
+          <pc:sldMk cId="3152715348" sldId="257"/>
+        </pc:sldMkLst>
+        <pc:spChg chg="mod">
+          <ac:chgData name="Charlie Hatch" userId="S::chatch@npitx.org::23189b92-0f8f-4e9b-8c97-6a52adbe72b1" providerId="AD" clId="Web-{632C56FB-C9C2-27CD-1E26-9A55B2CA372E}" dt="2025-06-25T16:19:13.490" v="22" actId="20577"/>
+          <ac:spMkLst>
+            <pc:docMk/>
+            <pc:sldMk cId="3152715348" sldId="257"/>
+            <ac:spMk id="2" creationId="{06D6AB15-30CE-F14A-99C8-7C2206384D83}"/>
+          </ac:spMkLst>
+        </pc:spChg>
+        <pc:spChg chg="mod">
+          <ac:chgData name="Charlie Hatch" userId="S::chatch@npitx.org::23189b92-0f8f-4e9b-8c97-6a52adbe72b1" providerId="AD" clId="Web-{632C56FB-C9C2-27CD-1E26-9A55B2CA372E}" dt="2025-06-25T16:32:07.461" v="287" actId="20577"/>
+          <ac:spMkLst>
+            <pc:docMk/>
+            <pc:sldMk cId="3152715348" sldId="257"/>
+            <ac:spMk id="3" creationId="{7E8FA467-B75B-39EA-41A4-E36AD36FB2B6}"/>
+          </ac:spMkLst>
+        </pc:spChg>
+      </pc:sldChg>
+      <pc:sldChg chg="modSp new">
+        <pc:chgData name="Charlie Hatch" userId="S::chatch@npitx.org::23189b92-0f8f-4e9b-8c97-6a52adbe72b1" providerId="AD" clId="Web-{632C56FB-C9C2-27CD-1E26-9A55B2CA372E}" dt="2025-06-25T16:30:31.414" v="286" actId="20577"/>
+        <pc:sldMkLst>
+          <pc:docMk/>
+          <pc:sldMk cId="1083871575" sldId="258"/>
+        </pc:sldMkLst>
+        <pc:spChg chg="mod">
+          <ac:chgData name="Charlie Hatch" userId="S::chatch@npitx.org::23189b92-0f8f-4e9b-8c97-6a52adbe72b1" providerId="AD" clId="Web-{632C56FB-C9C2-27CD-1E26-9A55B2CA372E}" dt="2025-06-25T16:22:52.990" v="95" actId="20577"/>
+          <ac:spMkLst>
+            <pc:docMk/>
+            <pc:sldMk cId="1083871575" sldId="258"/>
+            <ac:spMk id="2" creationId="{1F8F863B-142C-7628-E22D-A182F09DAF22}"/>
+          </ac:spMkLst>
+        </pc:spChg>
+        <pc:spChg chg="mod">
+          <ac:chgData name="Charlie Hatch" userId="S::chatch@npitx.org::23189b92-0f8f-4e9b-8c97-6a52adbe72b1" providerId="AD" clId="Web-{632C56FB-C9C2-27CD-1E26-9A55B2CA372E}" dt="2025-06-25T16:30:31.414" v="286" actId="20577"/>
+          <ac:spMkLst>
+            <pc:docMk/>
+            <pc:sldMk cId="1083871575" sldId="258"/>
+            <ac:spMk id="3" creationId="{CEB97E69-BAEE-F25D-0D34-38136D6BA6E7}"/>
+          </ac:spMkLst>
+        </pc:spChg>
+      </pc:sldChg>
+    </pc:docChg>
+  </pc:docChgLst>
+</pc:chgInfo>
 </file>
 
 <file path=ppt/slideLayouts/slideLayout1.xml><?xml version="1.0" encoding="utf-8"?>
@@ -3354,8 +3477,8 @@
               <a:t>Alas, the screenshots </a:t>
             </a:r>
             <a:r>
-              <a:rPr lang="en-US" dirty="0" err="1"/>
-              <a:t>didin't</a:t>
+              <a:rPr lang="en-US"/>
+              <a:t>didn't</a:t>
             </a:r>
             <a:r>
               <a:rPr lang="en-US" dirty="0"/>
@@ -3440,10 +3563,30 @@
         </p:nvSpPr>
         <p:spPr/>
         <p:txBody>
-          <a:bodyPr/>
-          <a:lstStyle/>
-          <a:p>
-            <a:endParaRPr lang="en-US"/>
+          <a:bodyPr vert="horz" lIns="91440" tIns="45720" rIns="91440" bIns="45720" rtlCol="0" anchor="t">
+            <a:normAutofit/>
+          </a:bodyPr>
+          <a:lstStyle/>
+          <a:p>
+            <a:r>
+              <a:rPr lang="en-US"/>
+              <a:t>How to (attempt) to politely interupt conversations</a:t>
+            </a:r>
+            <a:endParaRPr lang="en-US" dirty="0"/>
+          </a:p>
+          <a:p>
+            <a:r>
+              <a:rPr lang="en-US"/>
+              <a:t>More information on how to continue conversations</a:t>
+            </a:r>
+            <a:endParaRPr lang="en-US" dirty="0"/>
+          </a:p>
+          <a:p>
+            <a:r>
+              <a:rPr lang="en-US"/>
+              <a:t>More information on, well, just more communication in general</a:t>
+            </a:r>
+            <a:endParaRPr lang="en-US" dirty="0"/>
           </a:p>
         </p:txBody>
       </p:sp>

--- a/Spring 2025 Presentation/Spring 2025.pptx
+++ b/Spring 2025 Presentation/Spring 2025.pptx
@@ -6,8 +6,9 @@
   </p:sldMasterIdLst>
   <p:sldIdLst>
     <p:sldId id="256" r:id="rId2"/>
-    <p:sldId id="257" r:id="rId3"/>
-    <p:sldId id="258" r:id="rId4"/>
+    <p:sldId id="259" r:id="rId3"/>
+    <p:sldId id="257" r:id="rId4"/>
+    <p:sldId id="258" r:id="rId5"/>
   </p:sldIdLst>
   <p:sldSz cx="12192000" cy="6858000"/>
   <p:notesSz cx="6858000" cy="9144000"/>
@@ -117,7 +118,7 @@
 <file path=ppt/revisionInfo.xml><?xml version="1.0" encoding="utf-8"?>
 <p1510:revInfo xmlns:a="http://schemas.openxmlformats.org/drawingml/2006/main" xmlns:r="http://schemas.openxmlformats.org/officeDocument/2006/relationships" xmlns:p1510="http://schemas.microsoft.com/office/powerpoint/2015/10/main">
   <p1510:revLst>
-    <p1510:client id="{632C56FB-C9C2-27CD-1E26-9A55B2CA372E}" v="310" dt="2025-06-25T16:32:07.461"/>
+    <p1510:client id="{632C56FB-C9C2-27CD-1E26-9A55B2CA372E}" v="419" dt="2025-06-25T16:36:27.368"/>
   </p1510:revLst>
 </p1510:revInfo>
 </file>
@@ -158,8 +159,8 @@
   </pc:docChgLst>
   <pc:docChgLst>
     <pc:chgData name="Charlie Hatch" userId="S::chatch@npitx.org::23189b92-0f8f-4e9b-8c97-6a52adbe72b1" providerId="AD" clId="Web-{632C56FB-C9C2-27CD-1E26-9A55B2CA372E}"/>
-    <pc:docChg chg="addSld modSld">
-      <pc:chgData name="Charlie Hatch" userId="S::chatch@npitx.org::23189b92-0f8f-4e9b-8c97-6a52adbe72b1" providerId="AD" clId="Web-{632C56FB-C9C2-27CD-1E26-9A55B2CA372E}" dt="2025-06-25T16:32:07.461" v="287" actId="20577"/>
+    <pc:docChg chg="addSld modSld sldOrd">
+      <pc:chgData name="Charlie Hatch" userId="S::chatch@npitx.org::23189b92-0f8f-4e9b-8c97-6a52adbe72b1" providerId="AD" clId="Web-{632C56FB-C9C2-27CD-1E26-9A55B2CA372E}" dt="2025-06-25T16:36:27.368" v="396" actId="20577"/>
       <pc:docMkLst>
         <pc:docMk/>
       </pc:docMkLst>
@@ -237,6 +238,29 @@
             <pc:docMk/>
             <pc:sldMk cId="1083871575" sldId="258"/>
             <ac:spMk id="3" creationId="{CEB97E69-BAEE-F25D-0D34-38136D6BA6E7}"/>
+          </ac:spMkLst>
+        </pc:spChg>
+      </pc:sldChg>
+      <pc:sldChg chg="modSp new ord">
+        <pc:chgData name="Charlie Hatch" userId="S::chatch@npitx.org::23189b92-0f8f-4e9b-8c97-6a52adbe72b1" providerId="AD" clId="Web-{632C56FB-C9C2-27CD-1E26-9A55B2CA372E}" dt="2025-06-25T16:36:27.368" v="396" actId="20577"/>
+        <pc:sldMkLst>
+          <pc:docMk/>
+          <pc:sldMk cId="666310823" sldId="259"/>
+        </pc:sldMkLst>
+        <pc:spChg chg="mod">
+          <ac:chgData name="Charlie Hatch" userId="S::chatch@npitx.org::23189b92-0f8f-4e9b-8c97-6a52adbe72b1" providerId="AD" clId="Web-{632C56FB-C9C2-27CD-1E26-9A55B2CA372E}" dt="2025-06-25T16:33:55.774" v="295" actId="20577"/>
+          <ac:spMkLst>
+            <pc:docMk/>
+            <pc:sldMk cId="666310823" sldId="259"/>
+            <ac:spMk id="2" creationId="{1C7FB501-7AC2-3C6C-87C4-4680E334474B}"/>
+          </ac:spMkLst>
+        </pc:spChg>
+        <pc:spChg chg="mod">
+          <ac:chgData name="Charlie Hatch" userId="S::chatch@npitx.org::23189b92-0f8f-4e9b-8c97-6a52adbe72b1" providerId="AD" clId="Web-{632C56FB-C9C2-27CD-1E26-9A55B2CA372E}" dt="2025-06-25T16:36:27.368" v="396" actId="20577"/>
+          <ac:spMkLst>
+            <pc:docMk/>
+            <pc:sldMk cId="666310823" sldId="259"/>
+            <ac:spMk id="3" creationId="{26A07511-EC0C-F09E-CA97-141954CAC495}"/>
           </ac:spMkLst>
         </pc:spChg>
       </pc:sldChg>
@@ -3410,6 +3434,122 @@
           <p:cNvPr id="2" name="Title 1">
             <a:extLst>
               <a:ext uri="{FF2B5EF4-FFF2-40B4-BE49-F238E27FC236}">
+                <a16:creationId xmlns:a16="http://schemas.microsoft.com/office/drawing/2014/main" id="{1C7FB501-7AC2-3C6C-87C4-4680E334474B}"/>
+              </a:ext>
+            </a:extLst>
+          </p:cNvPr>
+          <p:cNvSpPr>
+            <a:spLocks noGrp="1"/>
+          </p:cNvSpPr>
+          <p:nvPr>
+            <p:ph type="title"/>
+          </p:nvPr>
+        </p:nvSpPr>
+        <p:spPr/>
+        <p:txBody>
+          <a:bodyPr/>
+          <a:lstStyle/>
+          <a:p>
+            <a:r>
+              <a:rPr lang="en-US"/>
+              <a:t>App Dev 2  </a:t>
+            </a:r>
+          </a:p>
+        </p:txBody>
+      </p:sp>
+      <p:sp>
+        <p:nvSpPr>
+          <p:cNvPr id="3" name="Content Placeholder 2">
+            <a:extLst>
+              <a:ext uri="{FF2B5EF4-FFF2-40B4-BE49-F238E27FC236}">
+                <a16:creationId xmlns:a16="http://schemas.microsoft.com/office/drawing/2014/main" id="{26A07511-EC0C-F09E-CA97-141954CAC495}"/>
+              </a:ext>
+            </a:extLst>
+          </p:cNvPr>
+          <p:cNvSpPr>
+            <a:spLocks noGrp="1"/>
+          </p:cNvSpPr>
+          <p:nvPr>
+            <p:ph idx="1"/>
+          </p:nvPr>
+        </p:nvSpPr>
+        <p:spPr/>
+        <p:txBody>
+          <a:bodyPr vert="horz" lIns="91440" tIns="45720" rIns="91440" bIns="45720" rtlCol="0" anchor="t">
+            <a:normAutofit/>
+          </a:bodyPr>
+          <a:lstStyle/>
+          <a:p>
+            <a:r>
+              <a:rPr lang="en-US"/>
+              <a:t>Worked on an address book</a:t>
+            </a:r>
+          </a:p>
+          <a:p>
+            <a:pPr lvl="1">
+              <a:buFont typeface="Courier New" panose="020B0604020202020204" pitchFamily="34" charset="0"/>
+              <a:buChar char="o"/>
+            </a:pPr>
+            <a:r>
+              <a:rPr lang="en-US"/>
+              <a:t>Learned more about classes</a:t>
+            </a:r>
+            <a:endParaRPr lang="en-US" dirty="0"/>
+          </a:p>
+          <a:p>
+            <a:pPr lvl="1">
+              <a:buFont typeface="Courier New" panose="020B0604020202020204" pitchFamily="34" charset="0"/>
+              <a:buChar char="o"/>
+            </a:pPr>
+            <a:r>
+              <a:rPr lang="en-US"/>
+              <a:t>Figured out how to put code into classes, thereby allowing the organization of code within multiple files</a:t>
+            </a:r>
+          </a:p>
+          <a:p>
+            <a:r>
+              <a:rPr lang="en-US"/>
+              <a:t>Realized even moreso how bad I am at UI design...</a:t>
+            </a:r>
+            <a:endParaRPr lang="en-US" dirty="0"/>
+          </a:p>
+        </p:txBody>
+      </p:sp>
+    </p:spTree>
+    <p:extLst>
+      <p:ext uri="{BB962C8B-B14F-4D97-AF65-F5344CB8AC3E}">
+        <p14:creationId xmlns:p14="http://schemas.microsoft.com/office/powerpoint/2010/main" val="666310823"/>
+      </p:ext>
+    </p:extLst>
+  </p:cSld>
+  <p:clrMapOvr>
+    <a:masterClrMapping/>
+  </p:clrMapOvr>
+</p:sld>
+</file>
+
+<file path=ppt/slides/slide3.xml><?xml version="1.0" encoding="utf-8"?>
+<p:sld xmlns:a="http://schemas.openxmlformats.org/drawingml/2006/main" xmlns:r="http://schemas.openxmlformats.org/officeDocument/2006/relationships" xmlns:p="http://schemas.openxmlformats.org/presentationml/2006/main">
+  <p:cSld>
+    <p:spTree>
+      <p:nvGrpSpPr>
+        <p:cNvPr id="1" name=""/>
+        <p:cNvGrpSpPr/>
+        <p:nvPr/>
+      </p:nvGrpSpPr>
+      <p:grpSpPr>
+        <a:xfrm>
+          <a:off x="0" y="0"/>
+          <a:ext cx="0" cy="0"/>
+          <a:chOff x="0" y="0"/>
+          <a:chExt cx="0" cy="0"/>
+        </a:xfrm>
+      </p:grpSpPr>
+      <p:sp>
+        <p:nvSpPr>
+          <p:cNvPr id="2" name="Title 1">
+            <a:extLst>
+              <a:ext uri="{FF2B5EF4-FFF2-40B4-BE49-F238E27FC236}">
                 <a16:creationId xmlns:a16="http://schemas.microsoft.com/office/drawing/2014/main" id="{06D6AB15-30CE-F14A-99C8-7C2206384D83}"/>
               </a:ext>
             </a:extLst>
@@ -3500,7 +3640,7 @@
 </p:sld>
 </file>
 
-<file path=ppt/slides/slide3.xml><?xml version="1.0" encoding="utf-8"?>
+<file path=ppt/slides/slide4.xml><?xml version="1.0" encoding="utf-8"?>
 <p:sld xmlns:a="http://schemas.openxmlformats.org/drawingml/2006/main" xmlns:r="http://schemas.openxmlformats.org/officeDocument/2006/relationships" xmlns:p="http://schemas.openxmlformats.org/presentationml/2006/main">
   <p:cSld>
     <p:spTree>

--- a/Spring 2025 Presentation/Spring 2025.pptx
+++ b/Spring 2025 Presentation/Spring 2025.pptx
@@ -9,6 +9,7 @@
     <p:sldId id="259" r:id="rId3"/>
     <p:sldId id="257" r:id="rId4"/>
     <p:sldId id="258" r:id="rId5"/>
+    <p:sldId id="260" r:id="rId6"/>
   </p:sldIdLst>
   <p:sldSz cx="12192000" cy="6858000"/>
   <p:notesSz cx="6858000" cy="9144000"/>
@@ -118,155 +119,9 @@
 <file path=ppt/revisionInfo.xml><?xml version="1.0" encoding="utf-8"?>
 <p1510:revInfo xmlns:a="http://schemas.openxmlformats.org/drawingml/2006/main" xmlns:r="http://schemas.openxmlformats.org/officeDocument/2006/relationships" xmlns:p1510="http://schemas.microsoft.com/office/powerpoint/2015/10/main">
   <p1510:revLst>
-    <p1510:client id="{632C56FB-C9C2-27CD-1E26-9A55B2CA372E}" v="419" dt="2025-06-25T16:36:27.368"/>
+    <p1510:client id="{632C56FB-C9C2-27CD-1E26-9A55B2CA372E}" v="465" dt="2025-06-25T16:40:39.009"/>
   </p1510:revLst>
 </p1510:revInfo>
-</file>
-
-<file path=ppt/changesInfos/changesInfo1.xml><?xml version="1.0" encoding="utf-8"?>
-<pc:chgInfo xmlns:a="http://schemas.openxmlformats.org/drawingml/2006/main" xmlns:r="http://schemas.openxmlformats.org/officeDocument/2006/relationships" xmlns:ac="http://schemas.microsoft.com/office/drawing/2013/main/command" xmlns:pc="http://schemas.microsoft.com/office/powerpoint/2013/main/command">
-  <pc:docChgLst>
-    <pc:chgData name="Charlie Hatch" userId="S::chatch@npitx.org::23189b92-0f8f-4e9b-8c97-6a52adbe72b1" providerId="AD" clId="Web-{6EE5A59C-CCBB-5CB4-ECF1-B9C1C3DC3305}"/>
-    <pc:docChg chg="modSld">
-      <pc:chgData name="Charlie Hatch" userId="S::chatch@npitx.org::23189b92-0f8f-4e9b-8c97-6a52adbe72b1" providerId="AD" clId="Web-{6EE5A59C-CCBB-5CB4-ECF1-B9C1C3DC3305}" dt="2025-06-23T14:48:12.079" v="76" actId="20577"/>
-      <pc:docMkLst>
-        <pc:docMk/>
-      </pc:docMkLst>
-      <pc:sldChg chg="modSp">
-        <pc:chgData name="Charlie Hatch" userId="S::chatch@npitx.org::23189b92-0f8f-4e9b-8c97-6a52adbe72b1" providerId="AD" clId="Web-{6EE5A59C-CCBB-5CB4-ECF1-B9C1C3DC3305}" dt="2025-06-23T14:48:12.079" v="76" actId="20577"/>
-        <pc:sldMkLst>
-          <pc:docMk/>
-          <pc:sldMk cId="109857222" sldId="256"/>
-        </pc:sldMkLst>
-        <pc:spChg chg="mod">
-          <ac:chgData name="Charlie Hatch" userId="S::chatch@npitx.org::23189b92-0f8f-4e9b-8c97-6a52adbe72b1" providerId="AD" clId="Web-{6EE5A59C-CCBB-5CB4-ECF1-B9C1C3DC3305}" dt="2025-06-23T14:47:55.486" v="67" actId="20577"/>
-          <ac:spMkLst>
-            <pc:docMk/>
-            <pc:sldMk cId="109857222" sldId="256"/>
-            <ac:spMk id="2" creationId="{00000000-0000-0000-0000-000000000000}"/>
-          </ac:spMkLst>
-        </pc:spChg>
-        <pc:spChg chg="mod">
-          <ac:chgData name="Charlie Hatch" userId="S::chatch@npitx.org::23189b92-0f8f-4e9b-8c97-6a52adbe72b1" providerId="AD" clId="Web-{6EE5A59C-CCBB-5CB4-ECF1-B9C1C3DC3305}" dt="2025-06-23T14:48:12.079" v="76" actId="20577"/>
-          <ac:spMkLst>
-            <pc:docMk/>
-            <pc:sldMk cId="109857222" sldId="256"/>
-            <ac:spMk id="3" creationId="{00000000-0000-0000-0000-000000000000}"/>
-          </ac:spMkLst>
-        </pc:spChg>
-      </pc:sldChg>
-    </pc:docChg>
-  </pc:docChgLst>
-  <pc:docChgLst>
-    <pc:chgData name="Charlie Hatch" userId="S::chatch@npitx.org::23189b92-0f8f-4e9b-8c97-6a52adbe72b1" providerId="AD" clId="Web-{632C56FB-C9C2-27CD-1E26-9A55B2CA372E}"/>
-    <pc:docChg chg="addSld modSld sldOrd">
-      <pc:chgData name="Charlie Hatch" userId="S::chatch@npitx.org::23189b92-0f8f-4e9b-8c97-6a52adbe72b1" providerId="AD" clId="Web-{632C56FB-C9C2-27CD-1E26-9A55B2CA372E}" dt="2025-06-25T16:36:27.368" v="396" actId="20577"/>
-      <pc:docMkLst>
-        <pc:docMk/>
-      </pc:docMkLst>
-      <pc:sldChg chg="addSp modSp addAnim delAnim modAnim">
-        <pc:chgData name="Charlie Hatch" userId="S::chatch@npitx.org::23189b92-0f8f-4e9b-8c97-6a52adbe72b1" providerId="AD" clId="Web-{632C56FB-C9C2-27CD-1E26-9A55B2CA372E}" dt="2025-06-25T16:26:49.522" v="161"/>
-        <pc:sldMkLst>
-          <pc:docMk/>
-          <pc:sldMk cId="109857222" sldId="256"/>
-        </pc:sldMkLst>
-        <pc:spChg chg="mod">
-          <ac:chgData name="Charlie Hatch" userId="S::chatch@npitx.org::23189b92-0f8f-4e9b-8c97-6a52adbe72b1" providerId="AD" clId="Web-{632C56FB-C9C2-27CD-1E26-9A55B2CA372E}" dt="2025-06-25T16:24:15.194" v="129" actId="20577"/>
-          <ac:spMkLst>
-            <pc:docMk/>
-            <pc:sldMk cId="109857222" sldId="256"/>
-            <ac:spMk id="2" creationId="{00000000-0000-0000-0000-000000000000}"/>
-          </ac:spMkLst>
-        </pc:spChg>
-        <pc:spChg chg="mod">
-          <ac:chgData name="Charlie Hatch" userId="S::chatch@npitx.org::23189b92-0f8f-4e9b-8c97-6a52adbe72b1" providerId="AD" clId="Web-{632C56FB-C9C2-27CD-1E26-9A55B2CA372E}" dt="2025-06-25T16:24:07.616" v="123" actId="20577"/>
-          <ac:spMkLst>
-            <pc:docMk/>
-            <pc:sldMk cId="109857222" sldId="256"/>
-            <ac:spMk id="3" creationId="{00000000-0000-0000-0000-000000000000}"/>
-          </ac:spMkLst>
-        </pc:spChg>
-        <pc:spChg chg="add mod">
-          <ac:chgData name="Charlie Hatch" userId="S::chatch@npitx.org::23189b92-0f8f-4e9b-8c97-6a52adbe72b1" providerId="AD" clId="Web-{632C56FB-C9C2-27CD-1E26-9A55B2CA372E}" dt="2025-06-25T16:26:11.835" v="156" actId="1076"/>
-          <ac:spMkLst>
-            <pc:docMk/>
-            <pc:sldMk cId="109857222" sldId="256"/>
-            <ac:spMk id="4" creationId="{812A497B-ECEB-77AD-82AC-74FC148DE355}"/>
-          </ac:spMkLst>
-        </pc:spChg>
-      </pc:sldChg>
-      <pc:sldChg chg="modSp new">
-        <pc:chgData name="Charlie Hatch" userId="S::chatch@npitx.org::23189b92-0f8f-4e9b-8c97-6a52adbe72b1" providerId="AD" clId="Web-{632C56FB-C9C2-27CD-1E26-9A55B2CA372E}" dt="2025-06-25T16:32:07.461" v="287" actId="20577"/>
-        <pc:sldMkLst>
-          <pc:docMk/>
-          <pc:sldMk cId="3152715348" sldId="257"/>
-        </pc:sldMkLst>
-        <pc:spChg chg="mod">
-          <ac:chgData name="Charlie Hatch" userId="S::chatch@npitx.org::23189b92-0f8f-4e9b-8c97-6a52adbe72b1" providerId="AD" clId="Web-{632C56FB-C9C2-27CD-1E26-9A55B2CA372E}" dt="2025-06-25T16:19:13.490" v="22" actId="20577"/>
-          <ac:spMkLst>
-            <pc:docMk/>
-            <pc:sldMk cId="3152715348" sldId="257"/>
-            <ac:spMk id="2" creationId="{06D6AB15-30CE-F14A-99C8-7C2206384D83}"/>
-          </ac:spMkLst>
-        </pc:spChg>
-        <pc:spChg chg="mod">
-          <ac:chgData name="Charlie Hatch" userId="S::chatch@npitx.org::23189b92-0f8f-4e9b-8c97-6a52adbe72b1" providerId="AD" clId="Web-{632C56FB-C9C2-27CD-1E26-9A55B2CA372E}" dt="2025-06-25T16:32:07.461" v="287" actId="20577"/>
-          <ac:spMkLst>
-            <pc:docMk/>
-            <pc:sldMk cId="3152715348" sldId="257"/>
-            <ac:spMk id="3" creationId="{7E8FA467-B75B-39EA-41A4-E36AD36FB2B6}"/>
-          </ac:spMkLst>
-        </pc:spChg>
-      </pc:sldChg>
-      <pc:sldChg chg="modSp new">
-        <pc:chgData name="Charlie Hatch" userId="S::chatch@npitx.org::23189b92-0f8f-4e9b-8c97-6a52adbe72b1" providerId="AD" clId="Web-{632C56FB-C9C2-27CD-1E26-9A55B2CA372E}" dt="2025-06-25T16:30:31.414" v="286" actId="20577"/>
-        <pc:sldMkLst>
-          <pc:docMk/>
-          <pc:sldMk cId="1083871575" sldId="258"/>
-        </pc:sldMkLst>
-        <pc:spChg chg="mod">
-          <ac:chgData name="Charlie Hatch" userId="S::chatch@npitx.org::23189b92-0f8f-4e9b-8c97-6a52adbe72b1" providerId="AD" clId="Web-{632C56FB-C9C2-27CD-1E26-9A55B2CA372E}" dt="2025-06-25T16:22:52.990" v="95" actId="20577"/>
-          <ac:spMkLst>
-            <pc:docMk/>
-            <pc:sldMk cId="1083871575" sldId="258"/>
-            <ac:spMk id="2" creationId="{1F8F863B-142C-7628-E22D-A182F09DAF22}"/>
-          </ac:spMkLst>
-        </pc:spChg>
-        <pc:spChg chg="mod">
-          <ac:chgData name="Charlie Hatch" userId="S::chatch@npitx.org::23189b92-0f8f-4e9b-8c97-6a52adbe72b1" providerId="AD" clId="Web-{632C56FB-C9C2-27CD-1E26-9A55B2CA372E}" dt="2025-06-25T16:30:31.414" v="286" actId="20577"/>
-          <ac:spMkLst>
-            <pc:docMk/>
-            <pc:sldMk cId="1083871575" sldId="258"/>
-            <ac:spMk id="3" creationId="{CEB97E69-BAEE-F25D-0D34-38136D6BA6E7}"/>
-          </ac:spMkLst>
-        </pc:spChg>
-      </pc:sldChg>
-      <pc:sldChg chg="modSp new ord">
-        <pc:chgData name="Charlie Hatch" userId="S::chatch@npitx.org::23189b92-0f8f-4e9b-8c97-6a52adbe72b1" providerId="AD" clId="Web-{632C56FB-C9C2-27CD-1E26-9A55B2CA372E}" dt="2025-06-25T16:36:27.368" v="396" actId="20577"/>
-        <pc:sldMkLst>
-          <pc:docMk/>
-          <pc:sldMk cId="666310823" sldId="259"/>
-        </pc:sldMkLst>
-        <pc:spChg chg="mod">
-          <ac:chgData name="Charlie Hatch" userId="S::chatch@npitx.org::23189b92-0f8f-4e9b-8c97-6a52adbe72b1" providerId="AD" clId="Web-{632C56FB-C9C2-27CD-1E26-9A55B2CA372E}" dt="2025-06-25T16:33:55.774" v="295" actId="20577"/>
-          <ac:spMkLst>
-            <pc:docMk/>
-            <pc:sldMk cId="666310823" sldId="259"/>
-            <ac:spMk id="2" creationId="{1C7FB501-7AC2-3C6C-87C4-4680E334474B}"/>
-          </ac:spMkLst>
-        </pc:spChg>
-        <pc:spChg chg="mod">
-          <ac:chgData name="Charlie Hatch" userId="S::chatch@npitx.org::23189b92-0f8f-4e9b-8c97-6a52adbe72b1" providerId="AD" clId="Web-{632C56FB-C9C2-27CD-1E26-9A55B2CA372E}" dt="2025-06-25T16:36:27.368" v="396" actId="20577"/>
-          <ac:spMkLst>
-            <pc:docMk/>
-            <pc:sldMk cId="666310823" sldId="259"/>
-            <ac:spMk id="3" creationId="{26A07511-EC0C-F09E-CA97-141954CAC495}"/>
-          </ac:spMkLst>
-        </pc:spChg>
-      </pc:sldChg>
-    </pc:docChg>
-  </pc:docChgLst>
-</pc:chgInfo>
 </file>
 
 <file path=ppt/slideLayouts/slideLayout1.xml><?xml version="1.0" encoding="utf-8"?>
@@ -3743,6 +3598,94 @@
 </p:sld>
 </file>
 
+<file path=ppt/slides/slide5.xml><?xml version="1.0" encoding="utf-8"?>
+<p:sld xmlns:a="http://schemas.openxmlformats.org/drawingml/2006/main" xmlns:r="http://schemas.openxmlformats.org/officeDocument/2006/relationships" xmlns:p="http://schemas.openxmlformats.org/presentationml/2006/main">
+  <p:cSld>
+    <p:spTree>
+      <p:nvGrpSpPr>
+        <p:cNvPr id="1" name=""/>
+        <p:cNvGrpSpPr/>
+        <p:nvPr/>
+      </p:nvGrpSpPr>
+      <p:grpSpPr>
+        <a:xfrm>
+          <a:off x="0" y="0"/>
+          <a:ext cx="0" cy="0"/>
+          <a:chOff x="0" y="0"/>
+          <a:chExt cx="0" cy="0"/>
+        </a:xfrm>
+      </p:grpSpPr>
+      <p:sp>
+        <p:nvSpPr>
+          <p:cNvPr id="2" name="Title 1">
+            <a:extLst>
+              <a:ext uri="{FF2B5EF4-FFF2-40B4-BE49-F238E27FC236}">
+                <a16:creationId xmlns:a16="http://schemas.microsoft.com/office/drawing/2014/main" id="{AD9628A1-B91B-2020-6A39-6F5ED31FCFE9}"/>
+              </a:ext>
+            </a:extLst>
+          </p:cNvPr>
+          <p:cNvSpPr>
+            <a:spLocks noGrp="1"/>
+          </p:cNvSpPr>
+          <p:nvPr>
+            <p:ph type="title"/>
+          </p:nvPr>
+        </p:nvSpPr>
+        <p:spPr/>
+        <p:txBody>
+          <a:bodyPr/>
+          <a:lstStyle/>
+          <a:p>
+            <a:r>
+              <a:rPr lang="en-US"/>
+              <a:t>Favorite Memory</a:t>
+            </a:r>
+          </a:p>
+        </p:txBody>
+      </p:sp>
+      <p:sp>
+        <p:nvSpPr>
+          <p:cNvPr id="3" name="Content Placeholder 2">
+            <a:extLst>
+              <a:ext uri="{FF2B5EF4-FFF2-40B4-BE49-F238E27FC236}">
+                <a16:creationId xmlns:a16="http://schemas.microsoft.com/office/drawing/2014/main" id="{4D2D9B3D-7B10-9149-FC4F-956D6D021003}"/>
+              </a:ext>
+            </a:extLst>
+          </p:cNvPr>
+          <p:cNvSpPr>
+            <a:spLocks noGrp="1"/>
+          </p:cNvSpPr>
+          <p:nvPr>
+            <p:ph idx="1"/>
+          </p:nvPr>
+        </p:nvSpPr>
+        <p:spPr/>
+        <p:txBody>
+          <a:bodyPr vert="horz" lIns="91440" tIns="45720" rIns="91440" bIns="45720" rtlCol="0" anchor="t">
+            <a:normAutofit/>
+          </a:bodyPr>
+          <a:lstStyle/>
+          <a:p>
+            <a:r>
+              <a:rPr lang="en-US"/>
+              <a:t>While I have a good amount of good memories, I would have to go with playing Avatar Legends with Cohen and the rest of the group</a:t>
+            </a:r>
+          </a:p>
+        </p:txBody>
+      </p:sp>
+    </p:spTree>
+    <p:extLst>
+      <p:ext uri="{BB962C8B-B14F-4D97-AF65-F5344CB8AC3E}">
+        <p14:creationId xmlns:p14="http://schemas.microsoft.com/office/powerpoint/2010/main" val="2525317590"/>
+      </p:ext>
+    </p:extLst>
+  </p:cSld>
+  <p:clrMapOvr>
+    <a:masterClrMapping/>
+  </p:clrMapOvr>
+</p:sld>
+</file>
+
 <file path=ppt/theme/theme1.xml><?xml version="1.0" encoding="utf-8"?>
 <a:theme xmlns:a="http://schemas.openxmlformats.org/drawingml/2006/main" name="office theme">
   <a:themeElements>
